--- a/docs/prestemplate.pptx
+++ b/docs/prestemplate.pptx
@@ -3085,7 +3085,7 @@
     <p:bg>
       <p:bgPr>
         <a:solidFill>
-          <a:srgbClr val="82D1EB"/>
+          <a:srgbClr val="77A0A1"/>
         </a:solidFill>
         <a:effectLst/>
       </p:bgPr>
@@ -3146,7 +3146,7 @@
             <a:avLst/>
           </a:prstGeom>
           <a:solidFill>
-            <a:srgbClr val="7D2E14"/>
+            <a:srgbClr val="885F5E"/>
           </a:solidFill>
           <a:ln>
             <a:noFill/>
@@ -3223,7 +3223,7 @@
     <p:bg>
       <p:bgPr>
         <a:solidFill>
-          <a:srgbClr val="82D1EB"/>
+          <a:srgbClr val="77A0A1"/>
         </a:solidFill>
         <a:effectLst/>
       </p:bgPr>
@@ -3237,7 +3237,51 @@
       <p:grpSpPr/>
       <p:sp>
         <p:nvSpPr>
-          <p:cNvPr id="2" name="TextBox 1"/>
+          <p:cNvPr id="2" name="Rectangle 1"/>
+          <p:cNvSpPr/>
+          <p:nvPr/>
+        </p:nvSpPr>
+        <p:spPr>
+          <a:xfrm>
+            <a:off x="0" y="0"/>
+            <a:ext cx="10972800" cy="1371600"/>
+          </a:xfrm>
+          <a:prstGeom prst="rect">
+            <a:avLst/>
+          </a:prstGeom>
+          <a:solidFill>
+            <a:srgbClr val="885F5E"/>
+          </a:solidFill>
+          <a:ln>
+            <a:noFill/>
+          </a:ln>
+          <a:effectLst/>
+        </p:spPr>
+        <p:style>
+          <a:lnRef idx="1">
+            <a:schemeClr val="accent1"/>
+          </a:lnRef>
+          <a:fillRef idx="3">
+            <a:schemeClr val="accent1"/>
+          </a:fillRef>
+          <a:effectRef idx="2">
+            <a:schemeClr val="accent1"/>
+          </a:effectRef>
+          <a:fontRef idx="minor">
+            <a:schemeClr val="lt1"/>
+          </a:fontRef>
+        </p:style>
+        <p:txBody>
+          <a:bodyPr rtlCol="0" anchor="ctr"/>
+          <a:lstStyle/>
+          <a:p>
+            <a:pPr algn="ctr"/>
+          </a:p>
+        </p:txBody>
+      </p:sp>
+      <p:sp>
+        <p:nvSpPr>
+          <p:cNvPr id="3" name="TextBox 2"/>
           <p:cNvSpPr txBox="1"/>
           <p:nvPr/>
         </p:nvSpPr>
@@ -3271,7 +3315,7 @@
       </p:sp>
       <p:sp>
         <p:nvSpPr>
-          <p:cNvPr id="3" name="TextBox 2"/>
+          <p:cNvPr id="4" name="TextBox 3"/>
           <p:cNvSpPr txBox="1"/>
           <p:nvPr/>
         </p:nvSpPr>
